--- a/memoria.pptx
+++ b/memoria.pptx
@@ -3612,7 +3612,7 @@
         </p:nvSpPr>
         <p:spPr>
           <a:xfrm>
-            <a:off x="2004527" y="3220810"/>
+            <a:off x="2820058" y="3241695"/>
             <a:ext cx="1203649" cy="587829"/>
           </a:xfrm>
           <a:prstGeom prst="ellipse">
@@ -3844,8 +3844,8 @@
         </p:nvCxnSpPr>
         <p:spPr>
           <a:xfrm rot="10800000" flipV="1">
-            <a:off x="2606353" y="2323878"/>
-            <a:ext cx="4730565" cy="896931"/>
+            <a:off x="3421883" y="2323879"/>
+            <a:ext cx="3915034" cy="917816"/>
           </a:xfrm>
           <a:prstGeom prst="bentConnector2">
             <a:avLst/>
@@ -3938,8 +3938,8 @@
         </p:nvCxnSpPr>
         <p:spPr>
           <a:xfrm flipH="1">
-            <a:off x="3208176" y="3514724"/>
-            <a:ext cx="1331623" cy="1"/>
+            <a:off x="4023707" y="3514724"/>
+            <a:ext cx="516092" cy="20886"/>
           </a:xfrm>
           <a:prstGeom prst="straightConnector1">
             <a:avLst/>
@@ -4546,8 +4546,8 @@
         </p:nvCxnSpPr>
         <p:spPr>
           <a:xfrm rot="10800000">
-            <a:off x="2606353" y="3808639"/>
-            <a:ext cx="3438781" cy="673552"/>
+            <a:off x="3421883" y="3829525"/>
+            <a:ext cx="2623250" cy="652667"/>
           </a:xfrm>
           <a:prstGeom prst="bentConnector2">
             <a:avLst/>
@@ -4738,19 +4738,19 @@
           </p:cNvPr>
           <p:cNvCxnSpPr>
             <a:cxnSpLocks/>
-            <a:stCxn id="4" idx="1"/>
-            <a:endCxn id="25" idx="0"/>
+            <a:stCxn id="4" idx="0"/>
+            <a:endCxn id="25" idx="1"/>
           </p:cNvCxnSpPr>
           <p:nvPr/>
         </p:nvCxnSpPr>
         <p:spPr>
           <a:xfrm rot="16200000" flipH="1" flipV="1">
-            <a:off x="2863914" y="560926"/>
-            <a:ext cx="3094150" cy="6204397"/>
+            <a:off x="2625673" y="-16784"/>
+            <a:ext cx="3266322" cy="7359817"/>
           </a:xfrm>
           <a:prstGeom prst="bentConnector3">
             <a:avLst>
-              <a:gd name="adj1" fmla="val -10170"/>
+              <a:gd name="adj1" fmla="val -6999"/>
             </a:avLst>
           </a:prstGeom>
           <a:ln>
@@ -4813,6 +4813,111 @@
           </a:p>
         </p:txBody>
       </p:sp>
+      <p:sp>
+        <p:nvSpPr>
+          <p:cNvPr id="30" name="Elipse 29">
+            <a:extLst>
+              <a:ext uri="{FF2B5EF4-FFF2-40B4-BE49-F238E27FC236}">
+                <a16:creationId xmlns:a16="http://schemas.microsoft.com/office/drawing/2014/main" id="{D45FD518-5A18-453F-8394-658EFC8B5576}"/>
+              </a:ext>
+            </a:extLst>
+          </p:cNvPr>
+          <p:cNvSpPr/>
+          <p:nvPr/>
+        </p:nvSpPr>
+        <p:spPr>
+          <a:xfrm>
+            <a:off x="1046028" y="3122645"/>
+            <a:ext cx="1670918" cy="587829"/>
+          </a:xfrm>
+          <a:prstGeom prst="ellipse">
+            <a:avLst/>
+          </a:prstGeom>
+          <a:solidFill>
+            <a:srgbClr val="C00000"/>
+          </a:solidFill>
+          <a:ln>
+            <a:solidFill>
+              <a:srgbClr val="C00000"/>
+            </a:solidFill>
+          </a:ln>
+        </p:spPr>
+        <p:style>
+          <a:lnRef idx="2">
+            <a:schemeClr val="accent1">
+              <a:shade val="50000"/>
+            </a:schemeClr>
+          </a:lnRef>
+          <a:fillRef idx="1">
+            <a:schemeClr val="accent1"/>
+          </a:fillRef>
+          <a:effectRef idx="0">
+            <a:schemeClr val="accent1"/>
+          </a:effectRef>
+          <a:fontRef idx="minor">
+            <a:schemeClr val="lt1"/>
+          </a:fontRef>
+        </p:style>
+        <p:txBody>
+          <a:bodyPr rtlCol="0" anchor="ctr"/>
+          <a:lstStyle/>
+          <a:p>
+            <a:pPr algn="ctr"/>
+            <a:r>
+              <a:rPr lang="es-ES" dirty="0"/>
+              <a:t>REGISTER	</a:t>
+            </a:r>
+          </a:p>
+        </p:txBody>
+      </p:sp>
+      <p:cxnSp>
+        <p:nvCxnSpPr>
+          <p:cNvPr id="33" name="Conector: angular 32">
+            <a:extLst>
+              <a:ext uri="{FF2B5EF4-FFF2-40B4-BE49-F238E27FC236}">
+                <a16:creationId xmlns:a16="http://schemas.microsoft.com/office/drawing/2014/main" id="{60EF8A55-0791-4BC2-9D1C-B58ED79E162F}"/>
+              </a:ext>
+            </a:extLst>
+          </p:cNvPr>
+          <p:cNvCxnSpPr>
+            <a:cxnSpLocks/>
+            <a:stCxn id="4" idx="1"/>
+            <a:endCxn id="30" idx="0"/>
+          </p:cNvCxnSpPr>
+          <p:nvPr/>
+        </p:nvCxnSpPr>
+        <p:spPr>
+          <a:xfrm rot="16200000" flipH="1" flipV="1">
+            <a:off x="4194039" y="-196503"/>
+            <a:ext cx="1006595" cy="5631700"/>
+          </a:xfrm>
+          <a:prstGeom prst="bentConnector3">
+            <a:avLst>
+              <a:gd name="adj1" fmla="val -9213"/>
+            </a:avLst>
+          </a:prstGeom>
+          <a:ln>
+            <a:solidFill>
+              <a:schemeClr val="tx1"/>
+            </a:solidFill>
+            <a:tailEnd type="triangle"/>
+          </a:ln>
+        </p:spPr>
+        <p:style>
+          <a:lnRef idx="1">
+            <a:schemeClr val="accent1"/>
+          </a:lnRef>
+          <a:fillRef idx="0">
+            <a:schemeClr val="accent1"/>
+          </a:fillRef>
+          <a:effectRef idx="0">
+            <a:schemeClr val="accent1"/>
+          </a:effectRef>
+          <a:fontRef idx="minor">
+            <a:schemeClr val="tx1"/>
+          </a:fontRef>
+        </p:style>
+      </p:cxnSp>
     </p:spTree>
     <p:extLst>
       <p:ext uri="{BB962C8B-B14F-4D97-AF65-F5344CB8AC3E}">
